--- a/apresentacao_M1/TCC.pptx
+++ b/apresentacao_M1/TCC.pptx
@@ -5631,6 +5631,36 @@
           </a:p>
         </p:txBody>
       </p:sp>
+      <p:pic>
+        <p:nvPicPr>
+          <p:cNvPr id="3" name="Imagem 2"/>
+          <p:cNvPicPr>
+            <a:picLocks noChangeAspect="1"/>
+          </p:cNvPicPr>
+          <p:nvPr/>
+        </p:nvPicPr>
+        <p:blipFill>
+          <a:blip r:embed="rId6" cstate="email">
+            <a:extLst>
+              <a:ext uri="{28A0092B-C50C-407E-A947-70E740481C1C}">
+                <a14:useLocalDpi xmlns:a14="http://schemas.microsoft.com/office/drawing/2010/main" val="0"/>
+              </a:ext>
+            </a:extLst>
+          </a:blip>
+          <a:stretch>
+            <a:fillRect/>
+          </a:stretch>
+        </p:blipFill>
+        <p:spPr>
+          <a:xfrm>
+            <a:off x="5940152" y="1700808"/>
+            <a:ext cx="2747693" cy="3528392"/>
+          </a:xfrm>
+          <a:prstGeom prst="rect">
+            <a:avLst/>
+          </a:prstGeom>
+        </p:spPr>
+      </p:pic>
     </p:spTree>
     <p:custDataLst>
       <p:tags r:id="rId1"/>
@@ -5681,7 +5711,7 @@
         </p:nvSpPr>
         <p:spPr>
           <a:xfrm>
-            <a:off x="841248" y="301752"/>
+            <a:off x="912567" y="265212"/>
             <a:ext cx="8077200" cy="1143000"/>
           </a:xfrm>
         </p:spPr>
@@ -5705,7 +5735,7 @@
         </p:nvSpPr>
         <p:spPr>
           <a:xfrm>
-            <a:off x="1259632" y="1556792"/>
+            <a:off x="869484" y="1550255"/>
             <a:ext cx="3960440" cy="923330"/>
           </a:xfrm>
           <a:prstGeom prst="rect">
@@ -5754,7 +5784,7 @@
         </p:blipFill>
         <p:spPr bwMode="auto">
           <a:xfrm>
-            <a:off x="2843808" y="4221088"/>
+            <a:off x="899592" y="4180482"/>
             <a:ext cx="4429125" cy="2219325"/>
           </a:xfrm>
           <a:prstGeom prst="rect">
@@ -5783,6 +5813,49 @@
               </a14:hiddenLine>
             </a:ext>
           </a:extLst>
+        </p:spPr>
+      </p:pic>
+      <p:pic>
+        <p:nvPicPr>
+          <p:cNvPr id="3" name="Imagem 2"/>
+          <p:cNvPicPr>
+            <a:picLocks noChangeAspect="1"/>
+          </p:cNvPicPr>
+          <p:nvPr/>
+        </p:nvPicPr>
+        <p:blipFill>
+          <a:blip r:embed="rId4" cstate="email">
+            <a:extLst>
+              <a:ext uri="{28A0092B-C50C-407E-A947-70E740481C1C}">
+                <a14:useLocalDpi xmlns:a14="http://schemas.microsoft.com/office/drawing/2010/main" val="0"/>
+              </a:ext>
+            </a:extLst>
+          </a:blip>
+          <a:stretch>
+            <a:fillRect/>
+          </a:stretch>
+        </p:blipFill>
+        <p:spPr>
+          <a:xfrm>
+            <a:off x="5172704" y="836712"/>
+            <a:ext cx="3600510" cy="5201816"/>
+          </a:xfrm>
+          <a:prstGeom prst="roundRect">
+            <a:avLst>
+              <a:gd name="adj" fmla="val 8594"/>
+            </a:avLst>
+          </a:prstGeom>
+          <a:solidFill>
+            <a:srgbClr val="FFFFFF">
+              <a:shade val="85000"/>
+            </a:srgbClr>
+          </a:solidFill>
+          <a:ln>
+            <a:noFill/>
+          </a:ln>
+          <a:effectLst>
+            <a:reflection blurRad="12700" stA="38000" endPos="28000" dist="5000" dir="5400000" sy="-100000" algn="bl" rotWithShape="0"/>
+          </a:effectLst>
         </p:spPr>
       </p:pic>
     </p:spTree>

--- a/apresentacao_M1/TCC.pptx
+++ b/apresentacao_M1/TCC.pptx
@@ -5,20 +5,21 @@
     <p:sldMasterId id="2147483648" r:id="rId1"/>
   </p:sldMasterIdLst>
   <p:notesMasterIdLst>
-    <p:notesMasterId r:id="rId10"/>
+    <p:notesMasterId r:id="rId11"/>
   </p:notesMasterIdLst>
   <p:handoutMasterIdLst>
-    <p:handoutMasterId r:id="rId11"/>
+    <p:handoutMasterId r:id="rId12"/>
   </p:handoutMasterIdLst>
   <p:sldIdLst>
     <p:sldId id="259" r:id="rId2"/>
     <p:sldId id="261" r:id="rId3"/>
-    <p:sldId id="262" r:id="rId4"/>
-    <p:sldId id="287" r:id="rId5"/>
-    <p:sldId id="272" r:id="rId6"/>
-    <p:sldId id="274" r:id="rId7"/>
-    <p:sldId id="276" r:id="rId8"/>
-    <p:sldId id="277" r:id="rId9"/>
+    <p:sldId id="288" r:id="rId4"/>
+    <p:sldId id="262" r:id="rId5"/>
+    <p:sldId id="287" r:id="rId6"/>
+    <p:sldId id="272" r:id="rId7"/>
+    <p:sldId id="274" r:id="rId8"/>
+    <p:sldId id="276" r:id="rId9"/>
+    <p:sldId id="277" r:id="rId10"/>
   </p:sldIdLst>
   <p:sldSz cx="9144000" cy="6858000" type="screen4x3"/>
   <p:notesSz cx="6858000" cy="9144000"/>
@@ -117,7 +118,36 @@
       </a:defRPr>
     </a:lvl9pPr>
   </p:defaultTextStyle>
-  <p:extLst/>
+  <p:extLst>
+    <p:ext uri="{EFAFB233-063F-42B5-8137-9DF3F51BA10A}">
+      <p15:sldGuideLst xmlns:p15="http://schemas.microsoft.com/office/powerpoint/2012/main">
+        <p15:guide id="1" orient="horz" pos="2160">
+          <p15:clr>
+            <a:srgbClr val="A4A3A4"/>
+          </p15:clr>
+        </p15:guide>
+        <p15:guide id="2" pos="2880">
+          <p15:clr>
+            <a:srgbClr val="A4A3A4"/>
+          </p15:clr>
+        </p15:guide>
+      </p15:sldGuideLst>
+    </p:ext>
+    <p:ext uri="{2D200454-40CA-4A62-9FC3-DE9A4176ACB9}">
+      <p15:notesGuideLst xmlns:p15="http://schemas.microsoft.com/office/powerpoint/2012/main">
+        <p15:guide id="1" orient="horz" pos="2880">
+          <p15:clr>
+            <a:srgbClr val="A4A3A4"/>
+          </p15:clr>
+        </p15:guide>
+        <p15:guide id="2" pos="2160">
+          <p15:clr>
+            <a:srgbClr val="A4A3A4"/>
+          </p15:clr>
+        </p15:guide>
+      </p15:notesGuideLst>
+    </p:ext>
+  </p:extLst>
 </p:presentation>
 </file>
 
@@ -208,7 +238,7 @@
             <a:fld id="{D83FDC75-7F73-4A4A-A77C-09AADF00E0EA}" type="datetimeFigureOut">
               <a:rPr lang="pt-BR" smtClean="0"/>
               <a:pPr/>
-              <a:t>22/11/2019</a:t>
+              <a:t>24/11/2019</a:t>
             </a:fld>
             <a:endParaRPr lang="pt-BR" dirty="0"/>
           </a:p>
@@ -379,7 +409,7 @@
           <a:p>
             <a:fld id="{48AEF76B-3757-4A0B-AF93-28494465C1DD}" type="datetimeFigureOut">
               <a:pPr/>
-              <a:t>22/11/2019</a:t>
+              <a:t>24/11/2019</a:t>
             </a:fld>
             <a:endParaRPr lang="pt-BR"/>
           </a:p>
@@ -689,7 +719,7 @@
         <p:spPr/>
         <p:txBody>
           <a:bodyPr>
-            <a:normAutofit/>
+            <a:normAutofit lnSpcReduction="10000"/>
           </a:bodyPr>
           <a:lstStyle/>
           <a:p>
@@ -912,6 +942,11 @@
         </p:txBody>
       </p:sp>
     </p:spTree>
+    <p:extLst>
+      <p:ext uri="{BB962C8B-B14F-4D97-AF65-F5344CB8AC3E}">
+        <p14:creationId xmlns:p14="http://schemas.microsoft.com/office/powerpoint/2010/main" val="2797323480"/>
+      </p:ext>
+    </p:extLst>
   </p:cSld>
   <p:clrMapOvr>
     <a:masterClrMapping/>
@@ -1058,6 +1093,11 @@
         </p:txBody>
       </p:sp>
     </p:spTree>
+    <p:extLst>
+      <p:ext uri="{BB962C8B-B14F-4D97-AF65-F5344CB8AC3E}">
+        <p14:creationId xmlns:p14="http://schemas.microsoft.com/office/powerpoint/2010/main" val="2661049191"/>
+      </p:ext>
+    </p:extLst>
   </p:cSld>
   <p:clrMapOvr>
     <a:masterClrMapping/>
@@ -1176,6 +1216,11 @@
         </p:txBody>
       </p:sp>
     </p:spTree>
+    <p:extLst>
+      <p:ext uri="{BB962C8B-B14F-4D97-AF65-F5344CB8AC3E}">
+        <p14:creationId xmlns:p14="http://schemas.microsoft.com/office/powerpoint/2010/main" val="1228015054"/>
+      </p:ext>
+    </p:extLst>
   </p:cSld>
   <p:clrMapOvr>
     <a:masterClrMapping/>
@@ -1225,7 +1270,7 @@
         <p:spPr/>
         <p:txBody>
           <a:bodyPr>
-            <a:normAutofit lnSpcReduction="10000"/>
+            <a:normAutofit/>
           </a:bodyPr>
           <a:lstStyle/>
           <a:p>
@@ -1292,7 +1337,7 @@
             <a:fld id="{EC6EAC7D-5A89-47C2-8ABA-56C9C2DEF7A4}" type="slidenum">
               <a:rPr lang="pt-BR" smtClean="0"/>
               <a:pPr/>
-              <a:t>4</a:t>
+              <a:t>5</a:t>
             </a:fld>
             <a:endParaRPr lang="pt-BR"/>
           </a:p>
@@ -1322,6 +1367,11 @@
         </p:txBody>
       </p:sp>
     </p:spTree>
+    <p:extLst>
+      <p:ext uri="{BB962C8B-B14F-4D97-AF65-F5344CB8AC3E}">
+        <p14:creationId xmlns:p14="http://schemas.microsoft.com/office/powerpoint/2010/main" val="3868923853"/>
+      </p:ext>
+    </p:extLst>
   </p:cSld>
   <p:clrMapOvr>
     <a:masterClrMapping/>
@@ -1403,7 +1453,7 @@
             <a:fld id="{75693FD4-8F83-4EF7-AC3F-0DC0388986B0}" type="slidenum">
               <a:rPr lang="pt-BR" smtClean="0"/>
               <a:pPr/>
-              <a:t>5</a:t>
+              <a:t>6</a:t>
             </a:fld>
             <a:endParaRPr lang="pt-BR"/>
           </a:p>
@@ -1433,6 +1483,11 @@
         </p:txBody>
       </p:sp>
     </p:spTree>
+    <p:extLst>
+      <p:ext uri="{BB962C8B-B14F-4D97-AF65-F5344CB8AC3E}">
+        <p14:creationId xmlns:p14="http://schemas.microsoft.com/office/powerpoint/2010/main" val="3769423626"/>
+      </p:ext>
+    </p:extLst>
   </p:cSld>
   <p:clrMapOvr>
     <a:masterClrMapping/>
@@ -1520,7 +1575,7 @@
             <a:fld id="{75693FD4-8F83-4EF7-AC3F-0DC0388986B0}" type="slidenum">
               <a:rPr lang="pt-BR" smtClean="0"/>
               <a:pPr/>
-              <a:t>6</a:t>
+              <a:t>7</a:t>
             </a:fld>
             <a:endParaRPr lang="pt-BR" dirty="0"/>
           </a:p>
@@ -1550,6 +1605,11 @@
         </p:txBody>
       </p:sp>
     </p:spTree>
+    <p:extLst>
+      <p:ext uri="{BB962C8B-B14F-4D97-AF65-F5344CB8AC3E}">
+        <p14:creationId xmlns:p14="http://schemas.microsoft.com/office/powerpoint/2010/main" val="353718877"/>
+      </p:ext>
+    </p:extLst>
   </p:cSld>
   <p:clrMapOvr>
     <a:masterClrMapping/>
@@ -1619,7 +1679,7 @@
             <a:fld id="{85CEDE57-F8FE-4B43-B511-2E9F76624F74}" type="slidenum">
               <a:rPr lang="pt-BR" smtClean="0"/>
               <a:pPr/>
-              <a:t>7</a:t>
+              <a:t>8</a:t>
             </a:fld>
             <a:endParaRPr lang="pt-BR" dirty="0" smtClean="0"/>
           </a:p>
@@ -1674,6 +1734,11 @@
         </p:txBody>
       </p:sp>
     </p:spTree>
+    <p:extLst>
+      <p:ext uri="{BB962C8B-B14F-4D97-AF65-F5344CB8AC3E}">
+        <p14:creationId xmlns:p14="http://schemas.microsoft.com/office/powerpoint/2010/main" val="3752678658"/>
+      </p:ext>
+    </p:extLst>
   </p:cSld>
   <p:clrMapOvr>
     <a:masterClrMapping/>
@@ -1743,7 +1808,7 @@
             <a:fld id="{B2B44A5F-6CE4-493C-A0D7-6834FF76660C}" type="slidenum">
               <a:rPr lang="pt-BR" smtClean="0"/>
               <a:pPr/>
-              <a:t>8</a:t>
+              <a:t>9</a:t>
             </a:fld>
             <a:endParaRPr lang="pt-BR" dirty="0" smtClean="0"/>
           </a:p>
@@ -1798,6 +1863,11 @@
         </p:txBody>
       </p:sp>
     </p:spTree>
+    <p:extLst>
+      <p:ext uri="{BB962C8B-B14F-4D97-AF65-F5344CB8AC3E}">
+        <p14:creationId xmlns:p14="http://schemas.microsoft.com/office/powerpoint/2010/main" val="733342453"/>
+      </p:ext>
+    </p:extLst>
   </p:cSld>
   <p:clrMapOvr>
     <a:masterClrMapping/>
@@ -5631,36 +5701,6 @@
           </a:p>
         </p:txBody>
       </p:sp>
-      <p:pic>
-        <p:nvPicPr>
-          <p:cNvPr id="3" name="Imagem 2"/>
-          <p:cNvPicPr>
-            <a:picLocks noChangeAspect="1"/>
-          </p:cNvPicPr>
-          <p:nvPr/>
-        </p:nvPicPr>
-        <p:blipFill>
-          <a:blip r:embed="rId6" cstate="email">
-            <a:extLst>
-              <a:ext uri="{28A0092B-C50C-407E-A947-70E740481C1C}">
-                <a14:useLocalDpi xmlns:a14="http://schemas.microsoft.com/office/drawing/2010/main" val="0"/>
-              </a:ext>
-            </a:extLst>
-          </a:blip>
-          <a:stretch>
-            <a:fillRect/>
-          </a:stretch>
-        </p:blipFill>
-        <p:spPr>
-          <a:xfrm>
-            <a:off x="5940152" y="1700808"/>
-            <a:ext cx="2747693" cy="3528392"/>
-          </a:xfrm>
-          <a:prstGeom prst="rect">
-            <a:avLst/>
-          </a:prstGeom>
-        </p:spPr>
-      </p:pic>
     </p:spTree>
     <p:custDataLst>
       <p:tags r:id="rId1"/>
@@ -5701,6 +5741,80 @@
       </p:grpSpPr>
       <p:sp>
         <p:nvSpPr>
+          <p:cNvPr id="2" name="Título 1"/>
+          <p:cNvSpPr>
+            <a:spLocks noGrp="1"/>
+          </p:cNvSpPr>
+          <p:nvPr>
+            <p:ph type="title"/>
+          </p:nvPr>
+        </p:nvSpPr>
+        <p:spPr/>
+        <p:txBody>
+          <a:bodyPr/>
+          <a:lstStyle/>
+          <a:p>
+            <a:r>
+              <a:rPr lang="pt-BR" dirty="0"/>
+              <a:t>Objetivo</a:t>
+            </a:r>
+          </a:p>
+        </p:txBody>
+      </p:sp>
+      <p:sp>
+        <p:nvSpPr>
+          <p:cNvPr id="3" name="Espaço Reservado para Conteúdo 2"/>
+          <p:cNvSpPr>
+            <a:spLocks noGrp="1"/>
+          </p:cNvSpPr>
+          <p:nvPr>
+            <p:ph idx="1"/>
+          </p:nvPr>
+        </p:nvSpPr>
+        <p:spPr/>
+        <p:txBody>
+          <a:bodyPr/>
+          <a:lstStyle/>
+          <a:p>
+            <a:endParaRPr lang="pt-BR" dirty="0"/>
+          </a:p>
+        </p:txBody>
+      </p:sp>
+    </p:spTree>
+    <p:extLst>
+      <p:ext uri="{BB962C8B-B14F-4D97-AF65-F5344CB8AC3E}">
+        <p14:creationId xmlns:p14="http://schemas.microsoft.com/office/powerpoint/2010/main" val="1654306126"/>
+      </p:ext>
+    </p:extLst>
+  </p:cSld>
+  <p:clrMapOvr>
+    <a:masterClrMapping/>
+  </p:clrMapOvr>
+  <p:transition spd="slow">
+    <p:wipe dir="d"/>
+  </p:transition>
+</p:sld>
+</file>
+
+<file path=ppt/slides/slide4.xml><?xml version="1.0" encoding="utf-8"?>
+<p:sld xmlns:a="http://schemas.openxmlformats.org/drawingml/2006/main" xmlns:r="http://schemas.openxmlformats.org/officeDocument/2006/relationships" xmlns:p="http://schemas.openxmlformats.org/presentationml/2006/main">
+  <p:cSld>
+    <p:spTree>
+      <p:nvGrpSpPr>
+        <p:cNvPr id="1" name=""/>
+        <p:cNvGrpSpPr/>
+        <p:nvPr/>
+      </p:nvGrpSpPr>
+      <p:grpSpPr>
+        <a:xfrm>
+          <a:off x="0" y="0"/>
+          <a:ext cx="0" cy="0"/>
+          <a:chOff x="0" y="0"/>
+          <a:chExt cx="0" cy="0"/>
+        </a:xfrm>
+      </p:grpSpPr>
+      <p:sp>
+        <p:nvSpPr>
           <p:cNvPr id="2" name="Title 1"/>
           <p:cNvSpPr>
             <a:spLocks noGrp="1"/>
@@ -5763,68 +5877,14 @@
       </p:sp>
       <p:pic>
         <p:nvPicPr>
-          <p:cNvPr id="1026" name="Picture 2"/>
-          <p:cNvPicPr>
-            <a:picLocks noChangeAspect="1" noChangeArrowheads="1"/>
-          </p:cNvPicPr>
-          <p:nvPr/>
-        </p:nvPicPr>
-        <p:blipFill>
-          <a:blip r:embed="rId3">
-            <a:extLst>
-              <a:ext uri="{28A0092B-C50C-407E-A947-70E740481C1C}">
-                <a14:useLocalDpi xmlns:a14="http://schemas.microsoft.com/office/drawing/2010/main" val="0"/>
-              </a:ext>
-            </a:extLst>
-          </a:blip>
-          <a:srcRect/>
-          <a:stretch>
-            <a:fillRect/>
-          </a:stretch>
-        </p:blipFill>
-        <p:spPr bwMode="auto">
-          <a:xfrm>
-            <a:off x="899592" y="4180482"/>
-            <a:ext cx="4429125" cy="2219325"/>
-          </a:xfrm>
-          <a:prstGeom prst="rect">
-            <a:avLst/>
-          </a:prstGeom>
-          <a:noFill/>
-          <a:ln>
-            <a:noFill/>
-          </a:ln>
-          <a:extLst>
-            <a:ext uri="{909E8E84-426E-40DD-AFC4-6F175D3DCCD1}">
-              <a14:hiddenFill xmlns:a14="http://schemas.microsoft.com/office/drawing/2010/main">
-                <a:solidFill>
-                  <a:schemeClr val="accent1"/>
-                </a:solidFill>
-              </a14:hiddenFill>
-            </a:ext>
-            <a:ext uri="{91240B29-F687-4F45-9708-019B960494DF}">
-              <a14:hiddenLine xmlns:a14="http://schemas.microsoft.com/office/drawing/2010/main" w="9525">
-                <a:solidFill>
-                  <a:schemeClr val="tx1"/>
-                </a:solidFill>
-                <a:miter lim="800000"/>
-                <a:headEnd/>
-                <a:tailEnd/>
-              </a14:hiddenLine>
-            </a:ext>
-          </a:extLst>
-        </p:spPr>
-      </p:pic>
-      <p:pic>
-        <p:nvPicPr>
-          <p:cNvPr id="3" name="Imagem 2"/>
+          <p:cNvPr id="5" name="Imagem 4"/>
           <p:cNvPicPr>
             <a:picLocks noChangeAspect="1"/>
           </p:cNvPicPr>
           <p:nvPr/>
         </p:nvPicPr>
         <p:blipFill>
-          <a:blip r:embed="rId4" cstate="email">
+          <a:blip r:embed="rId3" cstate="email">
             <a:extLst>
               <a:ext uri="{28A0092B-C50C-407E-A947-70E740481C1C}">
                 <a14:useLocalDpi xmlns:a14="http://schemas.microsoft.com/office/drawing/2010/main" val="0"/>
@@ -5837,8 +5897,8 @@
         </p:blipFill>
         <p:spPr>
           <a:xfrm>
-            <a:off x="5172704" y="836712"/>
-            <a:ext cx="3600510" cy="5201816"/>
+            <a:off x="5199022" y="1340768"/>
+            <a:ext cx="3531928" cy="4104456"/>
           </a:xfrm>
           <a:prstGeom prst="roundRect">
             <a:avLst>
@@ -5876,7 +5936,7 @@
 </p:sld>
 </file>
 
-<file path=ppt/slides/slide4.xml><?xml version="1.0" encoding="utf-8"?>
+<file path=ppt/slides/slide5.xml><?xml version="1.0" encoding="utf-8"?>
 <p:sld xmlns:a="http://schemas.openxmlformats.org/drawingml/2006/main" xmlns:r="http://schemas.openxmlformats.org/officeDocument/2006/relationships" xmlns:p="http://schemas.openxmlformats.org/presentationml/2006/main">
   <p:cSld>
     <p:spTree>
@@ -5941,42 +6001,186 @@
         </p:nvSpPr>
         <p:spPr>
           <a:xfrm>
-            <a:off x="838200" y="1524000"/>
-            <a:ext cx="3733800" cy="4525963"/>
+            <a:off x="838200" y="1524001"/>
+            <a:ext cx="3521863" cy="596163"/>
           </a:xfrm>
         </p:spPr>
         <p:txBody>
           <a:bodyPr>
-            <a:normAutofit/>
+            <a:normAutofit fontScale="62500" lnSpcReduction="20000"/>
           </a:bodyPr>
           <a:lstStyle/>
           <a:p>
             <a:r>
-              <a:rPr lang="pt-BR" sz="3200" dirty="0"/>
-              <a:t>Tecnologia </a:t>
-            </a:r>
-          </a:p>
-          <a:p>
-            <a:r>
-              <a:rPr lang="pt-BR" sz="3200" dirty="0"/>
-              <a:t>Procedimento</a:t>
-            </a:r>
-          </a:p>
-          <a:p>
-            <a:r>
-              <a:rPr lang="pt-BR" sz="3200" dirty="0"/>
-              <a:t>Políticas</a:t>
-            </a:r>
-          </a:p>
-          <a:p>
-            <a:r>
-              <a:rPr lang="pt-BR" sz="3200" dirty="0"/>
-              <a:t>Benefícios </a:t>
-            </a:r>
-            <a:endParaRPr lang="pt-BR" sz="3600" dirty="0"/>
-          </a:p>
-        </p:txBody>
-      </p:sp>
+              <a:rPr lang="pt-BR" sz="3200" dirty="0" smtClean="0"/>
+              <a:t>Otimizar seu tempo no supermercado</a:t>
+            </a:r>
+          </a:p>
+          <a:p>
+            <a:endParaRPr lang="pt-BR" sz="3200" dirty="0"/>
+          </a:p>
+        </p:txBody>
+      </p:sp>
+      <p:sp>
+        <p:nvSpPr>
+          <p:cNvPr id="4" name="Content Placeholder 2"/>
+          <p:cNvSpPr>
+            <a:spLocks noGrp="1"/>
+          </p:cNvSpPr>
+          <p:nvPr>
+            <p:ph sz="half" idx="1"/>
+            <p:custDataLst>
+              <p:tags r:id="rId4"/>
+            </p:custDataLst>
+          </p:nvPr>
+        </p:nvSpPr>
+        <p:spPr>
+          <a:xfrm>
+            <a:off x="4522912" y="1524001"/>
+            <a:ext cx="4392488" cy="608856"/>
+          </a:xfrm>
+        </p:spPr>
+        <p:txBody>
+          <a:bodyPr>
+            <a:normAutofit fontScale="77500" lnSpcReduction="20000"/>
+          </a:bodyPr>
+          <a:lstStyle/>
+          <a:p>
+            <a:r>
+              <a:rPr lang="pt-BR" sz="3200" dirty="0" smtClean="0"/>
+              <a:t>Evitar gastos desnecessários</a:t>
+            </a:r>
+          </a:p>
+          <a:p>
+            <a:endParaRPr lang="pt-BR" sz="3200" dirty="0"/>
+          </a:p>
+        </p:txBody>
+      </p:sp>
+      <p:sp>
+        <p:nvSpPr>
+          <p:cNvPr id="5" name="Content Placeholder 2"/>
+          <p:cNvSpPr>
+            <a:spLocks noGrp="1"/>
+          </p:cNvSpPr>
+          <p:nvPr>
+            <p:ph sz="half" idx="1"/>
+            <p:custDataLst>
+              <p:tags r:id="rId5"/>
+            </p:custDataLst>
+          </p:nvPr>
+        </p:nvSpPr>
+        <p:spPr>
+          <a:xfrm>
+            <a:off x="4522912" y="3778809"/>
+            <a:ext cx="4392488" cy="608856"/>
+          </a:xfrm>
+        </p:spPr>
+        <p:txBody>
+          <a:bodyPr>
+            <a:normAutofit fontScale="70000" lnSpcReduction="20000"/>
+          </a:bodyPr>
+          <a:lstStyle/>
+          <a:p>
+            <a:r>
+              <a:rPr lang="pt-BR" sz="3200" dirty="0" smtClean="0"/>
+              <a:t>Evitar desperdício de alimentos</a:t>
+            </a:r>
+          </a:p>
+          <a:p>
+            <a:endParaRPr lang="pt-BR" sz="3200" dirty="0"/>
+          </a:p>
+        </p:txBody>
+      </p:sp>
+      <p:pic>
+        <p:nvPicPr>
+          <p:cNvPr id="6" name="Imagem 5"/>
+          <p:cNvPicPr>
+            <a:picLocks noChangeAspect="1"/>
+          </p:cNvPicPr>
+          <p:nvPr/>
+        </p:nvPicPr>
+        <p:blipFill>
+          <a:blip r:embed="rId8" cstate="email">
+            <a:extLst>
+              <a:ext uri="{28A0092B-C50C-407E-A947-70E740481C1C}">
+                <a14:useLocalDpi xmlns:a14="http://schemas.microsoft.com/office/drawing/2010/main" val="0"/>
+              </a:ext>
+            </a:extLst>
+          </a:blip>
+          <a:stretch>
+            <a:fillRect/>
+          </a:stretch>
+        </p:blipFill>
+        <p:spPr>
+          <a:xfrm>
+            <a:off x="5652120" y="1822082"/>
+            <a:ext cx="1937687" cy="1937687"/>
+          </a:xfrm>
+          <a:prstGeom prst="rect">
+            <a:avLst/>
+          </a:prstGeom>
+        </p:spPr>
+      </p:pic>
+      <p:pic>
+        <p:nvPicPr>
+          <p:cNvPr id="7" name="Imagem 6"/>
+          <p:cNvPicPr>
+            <a:picLocks noChangeAspect="1"/>
+          </p:cNvPicPr>
+          <p:nvPr/>
+        </p:nvPicPr>
+        <p:blipFill>
+          <a:blip r:embed="rId9" cstate="email">
+            <a:extLst>
+              <a:ext uri="{28A0092B-C50C-407E-A947-70E740481C1C}">
+                <a14:useLocalDpi xmlns:a14="http://schemas.microsoft.com/office/drawing/2010/main" val="0"/>
+              </a:ext>
+            </a:extLst>
+          </a:blip>
+          <a:stretch>
+            <a:fillRect/>
+          </a:stretch>
+        </p:blipFill>
+        <p:spPr>
+          <a:xfrm>
+            <a:off x="5841554" y="4236295"/>
+            <a:ext cx="1734952" cy="2621705"/>
+          </a:xfrm>
+          <a:prstGeom prst="rect">
+            <a:avLst/>
+          </a:prstGeom>
+        </p:spPr>
+      </p:pic>
+      <p:pic>
+        <p:nvPicPr>
+          <p:cNvPr id="9" name="Imagem 8"/>
+          <p:cNvPicPr>
+            <a:picLocks noChangeAspect="1"/>
+          </p:cNvPicPr>
+          <p:nvPr/>
+        </p:nvPicPr>
+        <p:blipFill>
+          <a:blip r:embed="rId10" cstate="email">
+            <a:extLst>
+              <a:ext uri="{28A0092B-C50C-407E-A947-70E740481C1C}">
+                <a14:useLocalDpi xmlns:a14="http://schemas.microsoft.com/office/drawing/2010/main" val="0"/>
+              </a:ext>
+            </a:extLst>
+          </a:blip>
+          <a:stretch>
+            <a:fillRect/>
+          </a:stretch>
+        </p:blipFill>
+        <p:spPr>
+          <a:xfrm>
+            <a:off x="371861" y="1772768"/>
+            <a:ext cx="4620938" cy="4620938"/>
+          </a:xfrm>
+          <a:prstGeom prst="rect">
+            <a:avLst/>
+          </a:prstGeom>
+        </p:spPr>
+      </p:pic>
     </p:spTree>
     <p:custDataLst>
       <p:tags r:id="rId1"/>
@@ -6111,7 +6315,7 @@
                               <p:par>
                                 <p:cTn id="10" presetID="42" presetClass="entr" presetSubtype="0" fill="hold" grpId="0" nodeType="withEffect">
                                   <p:stCondLst>
-                                    <p:cond delay="400"/>
+                                    <p:cond delay="0"/>
                                   </p:stCondLst>
                                   <p:childTnLst>
                                     <p:set>
@@ -6122,9 +6326,9 @@
                                           </p:stCondLst>
                                         </p:cTn>
                                         <p:tgtEl>
-                                          <p:spTgt spid="3">
+                                          <p:spTgt spid="4">
                                             <p:txEl>
-                                              <p:pRg st="1" end="1"/>
+                                              <p:pRg st="0" end="0"/>
                                             </p:txEl>
                                           </p:spTgt>
                                         </p:tgtEl>
@@ -6140,9 +6344,9 @@
                                       <p:cBhvr>
                                         <p:cTn id="12" dur="1000"/>
                                         <p:tgtEl>
-                                          <p:spTgt spid="3">
+                                          <p:spTgt spid="4">
                                             <p:txEl>
-                                              <p:pRg st="1" end="1"/>
+                                              <p:pRg st="0" end="0"/>
                                             </p:txEl>
                                           </p:spTgt>
                                         </p:tgtEl>
@@ -6152,9 +6356,9 @@
                                       <p:cBhvr>
                                         <p:cTn id="13" dur="1000" fill="hold"/>
                                         <p:tgtEl>
-                                          <p:spTgt spid="3">
+                                          <p:spTgt spid="4">
                                             <p:txEl>
-                                              <p:pRg st="1" end="1"/>
+                                              <p:pRg st="0" end="0"/>
                                             </p:txEl>
                                           </p:spTgt>
                                         </p:tgtEl>
@@ -6179,9 +6383,9 @@
                                       <p:cBhvr>
                                         <p:cTn id="14" dur="1000" fill="hold"/>
                                         <p:tgtEl>
-                                          <p:spTgt spid="3">
+                                          <p:spTgt spid="4">
                                             <p:txEl>
-                                              <p:pRg st="1" end="1"/>
+                                              <p:pRg st="0" end="0"/>
                                             </p:txEl>
                                           </p:spTgt>
                                         </p:tgtEl>
@@ -6208,7 +6412,7 @@
                               <p:par>
                                 <p:cTn id="15" presetID="42" presetClass="entr" presetSubtype="0" fill="hold" grpId="0" nodeType="withEffect">
                                   <p:stCondLst>
-                                    <p:cond delay="900"/>
+                                    <p:cond delay="0"/>
                                   </p:stCondLst>
                                   <p:childTnLst>
                                     <p:set>
@@ -6219,9 +6423,9 @@
                                           </p:stCondLst>
                                         </p:cTn>
                                         <p:tgtEl>
-                                          <p:spTgt spid="3">
+                                          <p:spTgt spid="5">
                                             <p:txEl>
-                                              <p:pRg st="2" end="2"/>
+                                              <p:pRg st="0" end="0"/>
                                             </p:txEl>
                                           </p:spTgt>
                                         </p:tgtEl>
@@ -6237,9 +6441,9 @@
                                       <p:cBhvr>
                                         <p:cTn id="17" dur="1000"/>
                                         <p:tgtEl>
-                                          <p:spTgt spid="3">
+                                          <p:spTgt spid="5">
                                             <p:txEl>
-                                              <p:pRg st="2" end="2"/>
+                                              <p:pRg st="0" end="0"/>
                                             </p:txEl>
                                           </p:spTgt>
                                         </p:tgtEl>
@@ -6249,9 +6453,9 @@
                                       <p:cBhvr>
                                         <p:cTn id="18" dur="1000" fill="hold"/>
                                         <p:tgtEl>
-                                          <p:spTgt spid="3">
+                                          <p:spTgt spid="5">
                                             <p:txEl>
-                                              <p:pRg st="2" end="2"/>
+                                              <p:pRg st="0" end="0"/>
                                             </p:txEl>
                                           </p:spTgt>
                                         </p:tgtEl>
@@ -6276,106 +6480,9 @@
                                       <p:cBhvr>
                                         <p:cTn id="19" dur="1000" fill="hold"/>
                                         <p:tgtEl>
-                                          <p:spTgt spid="3">
+                                          <p:spTgt spid="5">
                                             <p:txEl>
-                                              <p:pRg st="2" end="2"/>
-                                            </p:txEl>
-                                          </p:spTgt>
-                                        </p:tgtEl>
-                                        <p:attrNameLst>
-                                          <p:attrName>ppt_y</p:attrName>
-                                        </p:attrNameLst>
-                                      </p:cBhvr>
-                                      <p:tavLst>
-                                        <p:tav tm="0">
-                                          <p:val>
-                                            <p:strVal val="#ppt_y+.1"/>
-                                          </p:val>
-                                        </p:tav>
-                                        <p:tav tm="100000">
-                                          <p:val>
-                                            <p:strVal val="#ppt_y"/>
-                                          </p:val>
-                                        </p:tav>
-                                      </p:tavLst>
-                                    </p:anim>
-                                  </p:childTnLst>
-                                </p:cTn>
-                              </p:par>
-                              <p:par>
-                                <p:cTn id="20" presetID="42" presetClass="entr" presetSubtype="0" fill="hold" grpId="0" nodeType="withEffect">
-                                  <p:stCondLst>
-                                    <p:cond delay="1500"/>
-                                  </p:stCondLst>
-                                  <p:childTnLst>
-                                    <p:set>
-                                      <p:cBhvr>
-                                        <p:cTn id="21" dur="1" fill="hold">
-                                          <p:stCondLst>
-                                            <p:cond delay="0"/>
-                                          </p:stCondLst>
-                                        </p:cTn>
-                                        <p:tgtEl>
-                                          <p:spTgt spid="3">
-                                            <p:txEl>
-                                              <p:pRg st="3" end="3"/>
-                                            </p:txEl>
-                                          </p:spTgt>
-                                        </p:tgtEl>
-                                        <p:attrNameLst>
-                                          <p:attrName>style.visibility</p:attrName>
-                                        </p:attrNameLst>
-                                      </p:cBhvr>
-                                      <p:to>
-                                        <p:strVal val="visible"/>
-                                      </p:to>
-                                    </p:set>
-                                    <p:animEffect transition="in" filter="fade">
-                                      <p:cBhvr>
-                                        <p:cTn id="22" dur="1000"/>
-                                        <p:tgtEl>
-                                          <p:spTgt spid="3">
-                                            <p:txEl>
-                                              <p:pRg st="3" end="3"/>
-                                            </p:txEl>
-                                          </p:spTgt>
-                                        </p:tgtEl>
-                                      </p:cBhvr>
-                                    </p:animEffect>
-                                    <p:anim calcmode="lin" valueType="num">
-                                      <p:cBhvr>
-                                        <p:cTn id="23" dur="1000" fill="hold"/>
-                                        <p:tgtEl>
-                                          <p:spTgt spid="3">
-                                            <p:txEl>
-                                              <p:pRg st="3" end="3"/>
-                                            </p:txEl>
-                                          </p:spTgt>
-                                        </p:tgtEl>
-                                        <p:attrNameLst>
-                                          <p:attrName>ppt_x</p:attrName>
-                                        </p:attrNameLst>
-                                      </p:cBhvr>
-                                      <p:tavLst>
-                                        <p:tav tm="0">
-                                          <p:val>
-                                            <p:strVal val="#ppt_x"/>
-                                          </p:val>
-                                        </p:tav>
-                                        <p:tav tm="100000">
-                                          <p:val>
-                                            <p:strVal val="#ppt_x"/>
-                                          </p:val>
-                                        </p:tav>
-                                      </p:tavLst>
-                                    </p:anim>
-                                    <p:anim calcmode="lin" valueType="num">
-                                      <p:cBhvr>
-                                        <p:cTn id="24" dur="1000" fill="hold"/>
-                                        <p:tgtEl>
-                                          <p:spTgt spid="3">
-                                            <p:txEl>
-                                              <p:pRg st="3" end="3"/>
+                                              <p:pRg st="0" end="0"/>
                                             </p:txEl>
                                           </p:spTgt>
                                         </p:tgtEl>
@@ -6428,12 +6535,14 @@
     </p:tnLst>
     <p:bldLst>
       <p:bldP spid="3" grpId="0" build="p"/>
+      <p:bldP spid="4" grpId="0" build="p"/>
+      <p:bldP spid="5" grpId="0" build="p"/>
     </p:bldLst>
   </p:timing>
 </p:sld>
 </file>
 
-<file path=ppt/slides/slide5.xml><?xml version="1.0" encoding="utf-8"?>
+<file path=ppt/slides/slide6.xml><?xml version="1.0" encoding="utf-8"?>
 <p:sld xmlns:a="http://schemas.openxmlformats.org/drawingml/2006/main" xmlns:r="http://schemas.openxmlformats.org/officeDocument/2006/relationships" xmlns:p="http://schemas.openxmlformats.org/presentationml/2006/main">
   <p:cSld>
     <p:spTree>
@@ -6466,7 +6575,7 @@
         <p:spPr>
           <a:xfrm>
             <a:off x="838200" y="304800"/>
-            <a:ext cx="7982272" cy="1143000"/>
+            <a:ext cx="7622232" cy="891952"/>
           </a:xfrm>
         </p:spPr>
         <p:txBody>
@@ -6533,7 +6642,7 @@
 </p:sld>
 </file>
 
-<file path=ppt/slides/slide6.xml><?xml version="1.0" encoding="utf-8"?>
+<file path=ppt/slides/slide7.xml><?xml version="1.0" encoding="utf-8"?>
 <p:sld xmlns:a="http://schemas.openxmlformats.org/drawingml/2006/main" xmlns:r="http://schemas.openxmlformats.org/officeDocument/2006/relationships" xmlns:p="http://schemas.openxmlformats.org/presentationml/2006/main">
   <p:cSld>
     <p:spTree>
@@ -6633,7 +6742,7 @@
 </p:sld>
 </file>
 
-<file path=ppt/slides/slide7.xml><?xml version="1.0" encoding="utf-8"?>
+<file path=ppt/slides/slide8.xml><?xml version="1.0" encoding="utf-8"?>
 <p:sld xmlns:a="http://schemas.openxmlformats.org/drawingml/2006/main" xmlns:r="http://schemas.openxmlformats.org/officeDocument/2006/relationships" xmlns:p="http://schemas.openxmlformats.org/presentationml/2006/main">
   <p:cSld>
     <p:spTree>
@@ -6887,7 +6996,7 @@
 </p:sld>
 </file>
 
-<file path=ppt/slides/slide8.xml><?xml version="1.0" encoding="utf-8"?>
+<file path=ppt/slides/slide9.xml><?xml version="1.0" encoding="utf-8"?>
 <p:sld xmlns:a="http://schemas.openxmlformats.org/drawingml/2006/main" xmlns:r="http://schemas.openxmlformats.org/officeDocument/2006/relationships" xmlns:p="http://schemas.openxmlformats.org/presentationml/2006/main">
   <p:cSld>
     <p:spTree>
@@ -6928,7 +7037,11 @@
               <a:defRPr lang="pt-BR"/>
             </a:pPr>
             <a:r>
-              <a:rPr lang="pt-BR"/>
+              <a:rPr lang="pt-BR" dirty="0">
+                <a:solidFill>
+                  <a:schemeClr val="tx1"/>
+                </a:solidFill>
+              </a:rPr>
               <a:t>Perguntas?</a:t>
             </a:r>
           </a:p>
@@ -6963,47 +7076,59 @@
 
 <file path=ppt/tags/tag10.xml><?xml version="1.0" encoding="utf-8"?>
 <p:tagLst xmlns:a="http://schemas.openxmlformats.org/drawingml/2006/main" xmlns:r="http://schemas.openxmlformats.org/officeDocument/2006/relationships" xmlns:p="http://schemas.openxmlformats.org/presentationml/2006/main">
-  <p:tag name="DVSECTIONID" val="CdIAG7WhWjupCZ4n8F2Kse"/>
+  <p:tag name="DVSHAPEID" val="Q5rpkfSAY2XQl9CRvNvPMK"/>
 </p:tagLst>
 </file>
 
 <file path=ppt/tags/tag11.xml><?xml version="1.0" encoding="utf-8"?>
 <p:tagLst xmlns:a="http://schemas.openxmlformats.org/drawingml/2006/main" xmlns:r="http://schemas.openxmlformats.org/officeDocument/2006/relationships" xmlns:p="http://schemas.openxmlformats.org/presentationml/2006/main">
-  <p:tag name="DVSHAPEID" val="7C7AXHsIfcZM0GIL5sI0jk"/>
+  <p:tag name="DVSHAPEID" val="Q5rpkfSAY2XQl9CRvNvPMK"/>
 </p:tagLst>
 </file>
 
 <file path=ppt/tags/tag12.xml><?xml version="1.0" encoding="utf-8"?>
 <p:tagLst xmlns:a="http://schemas.openxmlformats.org/drawingml/2006/main" xmlns:r="http://schemas.openxmlformats.org/officeDocument/2006/relationships" xmlns:p="http://schemas.openxmlformats.org/presentationml/2006/main">
-  <p:tag name="DVSECTIONID" val="bORDfvhHahmpDFmvtYCcVK"/>
+  <p:tag name="DVSECTIONID" val="CdIAG7WhWjupCZ4n8F2Kse"/>
 </p:tagLst>
 </file>
 
 <file path=ppt/tags/tag13.xml><?xml version="1.0" encoding="utf-8"?>
 <p:tagLst xmlns:a="http://schemas.openxmlformats.org/drawingml/2006/main" xmlns:r="http://schemas.openxmlformats.org/officeDocument/2006/relationships" xmlns:p="http://schemas.openxmlformats.org/presentationml/2006/main">
-  <p:tag name="DVSHAPEID" val="yODdiYQyEGY8EmMcNZ3vZT"/>
+  <p:tag name="DVSHAPEID" val="7C7AXHsIfcZM0GIL5sI0jk"/>
 </p:tagLst>
 </file>
 
 <file path=ppt/tags/tag14.xml><?xml version="1.0" encoding="utf-8"?>
 <p:tagLst xmlns:a="http://schemas.openxmlformats.org/drawingml/2006/main" xmlns:r="http://schemas.openxmlformats.org/officeDocument/2006/relationships" xmlns:p="http://schemas.openxmlformats.org/presentationml/2006/main">
-  <p:tag name="DVSECTIONID" val="OOKFAmQ6LnTdkKqqzhwoax"/>
+  <p:tag name="DVSECTIONID" val="bORDfvhHahmpDFmvtYCcVK"/>
 </p:tagLst>
 </file>
 
 <file path=ppt/tags/tag15.xml><?xml version="1.0" encoding="utf-8"?>
 <p:tagLst xmlns:a="http://schemas.openxmlformats.org/drawingml/2006/main" xmlns:r="http://schemas.openxmlformats.org/officeDocument/2006/relationships" xmlns:p="http://schemas.openxmlformats.org/presentationml/2006/main">
-  <p:tag name="DVSHAPEID" val="XuPQogmzKvTp1YV9ymQ2ZW"/>
+  <p:tag name="DVSHAPEID" val="yODdiYQyEGY8EmMcNZ3vZT"/>
 </p:tagLst>
 </file>
 
 <file path=ppt/tags/tag16.xml><?xml version="1.0" encoding="utf-8"?>
 <p:tagLst xmlns:a="http://schemas.openxmlformats.org/drawingml/2006/main" xmlns:r="http://schemas.openxmlformats.org/officeDocument/2006/relationships" xmlns:p="http://schemas.openxmlformats.org/presentationml/2006/main">
+  <p:tag name="DVSECTIONID" val="OOKFAmQ6LnTdkKqqzhwoax"/>
+</p:tagLst>
+</file>
+
+<file path=ppt/tags/tag17.xml><?xml version="1.0" encoding="utf-8"?>
+<p:tagLst xmlns:a="http://schemas.openxmlformats.org/drawingml/2006/main" xmlns:r="http://schemas.openxmlformats.org/officeDocument/2006/relationships" xmlns:p="http://schemas.openxmlformats.org/presentationml/2006/main">
+  <p:tag name="DVSHAPEID" val="XuPQogmzKvTp1YV9ymQ2ZW"/>
+</p:tagLst>
+</file>
+
+<file path=ppt/tags/tag18.xml><?xml version="1.0" encoding="utf-8"?>
+<p:tagLst xmlns:a="http://schemas.openxmlformats.org/drawingml/2006/main" xmlns:r="http://schemas.openxmlformats.org/officeDocument/2006/relationships" xmlns:p="http://schemas.openxmlformats.org/presentationml/2006/main">
   <p:tag name="DVSECTIONID" val="ezdaKHeWyBnZyZ2cDqRSoa"/>
 </p:tagLst>
 </file>
 
-<file path=ppt/tags/tag17.xml><?xml version="1.0" encoding="utf-8"?>
+<file path=ppt/tags/tag19.xml><?xml version="1.0" encoding="utf-8"?>
 <p:tagLst xmlns:a="http://schemas.openxmlformats.org/drawingml/2006/main" xmlns:r="http://schemas.openxmlformats.org/officeDocument/2006/relationships" xmlns:p="http://schemas.openxmlformats.org/presentationml/2006/main">
   <p:tag name="DVSHAPEID" val="LRMR96J2MVd0CGe2e5htjk"/>
 </p:tagLst>

--- a/apresentacao_M1/TCC.pptx
+++ b/apresentacao_M1/TCC.pptx
@@ -238,7 +238,7 @@
             <a:fld id="{D83FDC75-7F73-4A4A-A77C-09AADF00E0EA}" type="datetimeFigureOut">
               <a:rPr lang="pt-BR" smtClean="0"/>
               <a:pPr/>
-              <a:t>24/11/2019</a:t>
+              <a:t>27/11/2019</a:t>
             </a:fld>
             <a:endParaRPr lang="pt-BR" dirty="0"/>
           </a:p>
@@ -409,7 +409,7 @@
           <a:p>
             <a:fld id="{48AEF76B-3757-4A0B-AF93-28494465C1DD}" type="datetimeFigureOut">
               <a:pPr/>
-              <a:t>24/11/2019</a:t>
+              <a:t>27/11/2019</a:t>
             </a:fld>
             <a:endParaRPr lang="pt-BR"/>
           </a:p>
@@ -5755,27 +5755,68 @@
           <a:lstStyle/>
           <a:p>
             <a:r>
-              <a:rPr lang="pt-BR" dirty="0"/>
-              <a:t>Objetivo</a:t>
-            </a:r>
-          </a:p>
-        </p:txBody>
-      </p:sp>
-      <p:sp>
-        <p:nvSpPr>
-          <p:cNvPr id="3" name="Espaço Reservado para Conteúdo 2"/>
-          <p:cNvSpPr>
-            <a:spLocks noGrp="1"/>
-          </p:cNvSpPr>
+              <a:rPr lang="pt-BR" dirty="0" smtClean="0"/>
+              <a:t>Exemplo</a:t>
+            </a:r>
+            <a:endParaRPr lang="pt-BR" dirty="0"/>
+          </a:p>
+        </p:txBody>
+      </p:sp>
+      <p:pic>
+        <p:nvPicPr>
+          <p:cNvPr id="4" name="Espaço Reservado para Conteúdo 3"/>
+          <p:cNvPicPr>
+            <a:picLocks noGrp="1" noChangeAspect="1"/>
+          </p:cNvPicPr>
           <p:nvPr>
             <p:ph idx="1"/>
           </p:nvPr>
-        </p:nvSpPr>
-        <p:spPr/>
-        <p:txBody>
-          <a:bodyPr/>
-          <a:lstStyle/>
-          <a:p>
+        </p:nvPicPr>
+        <p:blipFill>
+          <a:blip r:embed="rId2" cstate="email">
+            <a:extLst>
+              <a:ext uri="{28A0092B-C50C-407E-A947-70E740481C1C}">
+                <a14:useLocalDpi xmlns:a14="http://schemas.microsoft.com/office/drawing/2010/main" val="0"/>
+              </a:ext>
+            </a:extLst>
+          </a:blip>
+          <a:stretch>
+            <a:fillRect/>
+          </a:stretch>
+        </p:blipFill>
+        <p:spPr>
+          <a:xfrm>
+            <a:off x="971600" y="1052736"/>
+            <a:ext cx="7416824" cy="5438168"/>
+          </a:xfrm>
+        </p:spPr>
+      </p:pic>
+      <p:sp>
+        <p:nvSpPr>
+          <p:cNvPr id="5" name="CaixaDeTexto 4"/>
+          <p:cNvSpPr txBox="1"/>
+          <p:nvPr/>
+        </p:nvSpPr>
+        <p:spPr>
+          <a:xfrm>
+            <a:off x="1331640" y="1772816"/>
+            <a:ext cx="1879104" cy="369332"/>
+          </a:xfrm>
+          <a:prstGeom prst="rect">
+            <a:avLst/>
+          </a:prstGeom>
+          <a:noFill/>
+        </p:spPr>
+        <p:txBody>
+          <a:bodyPr wrap="none" rtlCol="0">
+            <a:spAutoFit/>
+          </a:bodyPr>
+          <a:lstStyle/>
+          <a:p>
+            <a:r>
+              <a:rPr lang="pt-BR" dirty="0" smtClean="0"/>
+              <a:t>Cardápio Semanal</a:t>
+            </a:r>
             <a:endParaRPr lang="pt-BR" dirty="0"/>
           </a:p>
         </p:txBody>

--- a/apresentacao_M1/TCC.pptx
+++ b/apresentacao_M1/TCC.pptx
@@ -120,7 +120,7 @@
   </p:defaultTextStyle>
   <p:extLst>
     <p:ext uri="{EFAFB233-063F-42B5-8137-9DF3F51BA10A}">
-      <p15:sldGuideLst xmlns:p15="http://schemas.microsoft.com/office/powerpoint/2012/main">
+      <p15:sldGuideLst xmlns:p15="http://schemas.microsoft.com/office/powerpoint/2012/main" xmlns="">
         <p15:guide id="1" orient="horz" pos="2160">
           <p15:clr>
             <a:srgbClr val="A4A3A4"/>
@@ -134,7 +134,7 @@
       </p15:sldGuideLst>
     </p:ext>
     <p:ext uri="{2D200454-40CA-4A62-9FC3-DE9A4176ACB9}">
-      <p15:notesGuideLst xmlns:p15="http://schemas.microsoft.com/office/powerpoint/2012/main">
+      <p15:notesGuideLst xmlns:p15="http://schemas.microsoft.com/office/powerpoint/2012/main" xmlns="">
         <p15:guide id="1" orient="horz" pos="2880">
           <p15:clr>
             <a:srgbClr val="A4A3A4"/>
@@ -238,7 +238,7 @@
             <a:fld id="{D83FDC75-7F73-4A4A-A77C-09AADF00E0EA}" type="datetimeFigureOut">
               <a:rPr lang="pt-BR" smtClean="0"/>
               <a:pPr/>
-              <a:t>27/11/2019</a:t>
+              <a:t>28/11/2019</a:t>
             </a:fld>
             <a:endParaRPr lang="pt-BR" dirty="0"/>
           </a:p>
@@ -409,7 +409,7 @@
           <a:p>
             <a:fld id="{48AEF76B-3757-4A0B-AF93-28494465C1DD}" type="datetimeFigureOut">
               <a:pPr/>
-              <a:t>27/11/2019</a:t>
+              <a:t>28/11/2019</a:t>
             </a:fld>
             <a:endParaRPr lang="pt-BR"/>
           </a:p>
@@ -5890,8 +5890,8 @@
         </p:nvSpPr>
         <p:spPr>
           <a:xfrm>
-            <a:off x="869484" y="1550255"/>
-            <a:ext cx="3960440" cy="923330"/>
+            <a:off x="883030" y="1357191"/>
+            <a:ext cx="3960440" cy="1754326"/>
           </a:xfrm>
           <a:prstGeom prst="rect">
             <a:avLst/>
@@ -5904,13 +5904,29 @@
           </a:bodyPr>
           <a:lstStyle/>
           <a:p>
-            <a:r>
-              <a:rPr lang="pt-BR" dirty="0" smtClean="0"/>
-              <a:t>Concorrentes não geram lista de compras certa, compras diárias, desperdício de alimentos e </a:t>
-            </a:r>
-            <a:r>
-              <a:rPr lang="pt-BR" dirty="0" err="1" smtClean="0"/>
-              <a:t>etc</a:t>
+            <a:pPr marL="342900" indent="-342900">
+              <a:buFont typeface="Wingdings" panose="05000000000000000000" pitchFamily="2" charset="2"/>
+              <a:buChar char="Ø"/>
+            </a:pPr>
+            <a:r>
+              <a:rPr lang="pt-BR" dirty="0"/>
+              <a:t>Em </a:t>
+            </a:r>
+            <a:r>
+              <a:rPr lang="pt-BR" b="1" dirty="0"/>
+              <a:t>aplicativos similares</a:t>
+            </a:r>
+            <a:r>
+              <a:rPr lang="pt-BR" dirty="0"/>
+              <a:t> a lista gerada para determinada receita, não realiza a otimização de produtos presentes em mais de uma receita. Em outros casos, as receitas estão </a:t>
+            </a:r>
+            <a:r>
+              <a:rPr lang="pt-BR" b="1" dirty="0"/>
+              <a:t>vinculadas a marca</a:t>
+            </a:r>
+            <a:r>
+              <a:rPr lang="pt-BR" dirty="0"/>
+              <a:t>.</a:t>
             </a:r>
             <a:endParaRPr lang="pt-BR" dirty="0"/>
           </a:p>
@@ -5939,7 +5955,7 @@
         <p:spPr>
           <a:xfrm>
             <a:off x="5199022" y="1340768"/>
-            <a:ext cx="3531928" cy="4104456"/>
+            <a:ext cx="3621450" cy="4824536"/>
           </a:xfrm>
           <a:prstGeom prst="roundRect">
             <a:avLst>
@@ -5959,6 +5975,120 @@
           </a:effectLst>
         </p:spPr>
       </p:pic>
+      <p:sp>
+        <p:nvSpPr>
+          <p:cNvPr id="6" name="CaixaDeTexto 5"/>
+          <p:cNvSpPr txBox="1"/>
+          <p:nvPr/>
+        </p:nvSpPr>
+        <p:spPr>
+          <a:xfrm>
+            <a:off x="883030" y="3212976"/>
+            <a:ext cx="3960440" cy="1477328"/>
+          </a:xfrm>
+          <a:prstGeom prst="rect">
+            <a:avLst/>
+          </a:prstGeom>
+          <a:noFill/>
+        </p:spPr>
+        <p:txBody>
+          <a:bodyPr wrap="square" rtlCol="0">
+            <a:spAutoFit/>
+          </a:bodyPr>
+          <a:lstStyle/>
+          <a:p>
+            <a:pPr marL="342900" indent="-342900">
+              <a:buFont typeface="Wingdings" panose="05000000000000000000" pitchFamily="2" charset="2"/>
+              <a:buChar char="Ø"/>
+            </a:pPr>
+            <a:r>
+              <a:rPr lang="pt-BR" dirty="0"/>
+              <a:t>Comprando alimentos que já possuía e correndo o risco de ter que </a:t>
+            </a:r>
+            <a:r>
+              <a:rPr lang="pt-BR" b="1" dirty="0"/>
+              <a:t>joga-los fora no caso de perecíveis </a:t>
+            </a:r>
+            <a:r>
+              <a:rPr lang="pt-BR" dirty="0"/>
+              <a:t>acarretando em desperdícios.</a:t>
+            </a:r>
+            <a:endParaRPr lang="pt-BR" dirty="0"/>
+          </a:p>
+        </p:txBody>
+      </p:sp>
+      <p:sp>
+        <p:nvSpPr>
+          <p:cNvPr id="3" name="CaixaDeTexto 2"/>
+          <p:cNvSpPr txBox="1"/>
+          <p:nvPr/>
+        </p:nvSpPr>
+        <p:spPr>
+          <a:xfrm>
+            <a:off x="2195736" y="5445224"/>
+            <a:ext cx="184731" cy="369332"/>
+          </a:xfrm>
+          <a:prstGeom prst="rect">
+            <a:avLst/>
+          </a:prstGeom>
+          <a:noFill/>
+        </p:spPr>
+        <p:txBody>
+          <a:bodyPr wrap="none" rtlCol="0">
+            <a:spAutoFit/>
+          </a:bodyPr>
+          <a:lstStyle/>
+          <a:p>
+            <a:endParaRPr lang="pt-BR" dirty="0"/>
+          </a:p>
+        </p:txBody>
+      </p:sp>
+      <p:sp>
+        <p:nvSpPr>
+          <p:cNvPr id="7" name="CaixaDeTexto 6"/>
+          <p:cNvSpPr txBox="1"/>
+          <p:nvPr/>
+        </p:nvSpPr>
+        <p:spPr>
+          <a:xfrm>
+            <a:off x="847414" y="4891226"/>
+            <a:ext cx="4084625" cy="1477328"/>
+          </a:xfrm>
+          <a:prstGeom prst="rect">
+            <a:avLst/>
+          </a:prstGeom>
+          <a:noFill/>
+        </p:spPr>
+        <p:txBody>
+          <a:bodyPr wrap="square" rtlCol="0">
+            <a:spAutoFit/>
+          </a:bodyPr>
+          <a:lstStyle/>
+          <a:p>
+            <a:pPr marL="342900" indent="-342900">
+              <a:buFont typeface="Wingdings" panose="05000000000000000000" pitchFamily="2" charset="2"/>
+              <a:buChar char="Ø"/>
+            </a:pPr>
+            <a:r>
+              <a:rPr lang="pt-BR" dirty="0"/>
+              <a:t>Não comprar os ingredientes necessários para preparação das refeições da semana, gerando assim </a:t>
+            </a:r>
+            <a:r>
+              <a:rPr lang="pt-BR" b="1" dirty="0" smtClean="0"/>
+              <a:t>maior perda de tempo no mercado </a:t>
+            </a:r>
+            <a:r>
+              <a:rPr lang="pt-BR" b="1" dirty="0"/>
+              <a:t>e gastos extras</a:t>
+            </a:r>
+            <a:r>
+              <a:rPr lang="pt-BR" dirty="0"/>
+              <a:t>.</a:t>
+            </a:r>
+            <a:endParaRPr lang="pt-BR" dirty="0"/>
+          </a:p>
+        </p:txBody>
+      </p:sp>
     </p:spTree>
   </p:cSld>
   <p:clrMapOvr>
@@ -6077,20 +6207,25 @@
         </p:nvSpPr>
         <p:spPr>
           <a:xfrm>
-            <a:off x="4522912" y="1524001"/>
+            <a:off x="4522912" y="1379984"/>
             <a:ext cx="4392488" cy="608856"/>
           </a:xfrm>
         </p:spPr>
         <p:txBody>
           <a:bodyPr>
-            <a:normAutofit fontScale="77500" lnSpcReduction="20000"/>
+            <a:normAutofit/>
           </a:bodyPr>
           <a:lstStyle/>
           <a:p>
             <a:r>
-              <a:rPr lang="pt-BR" sz="3200" dirty="0" smtClean="0"/>
-              <a:t>Evitar gastos desnecessários</a:t>
-            </a:r>
+              <a:rPr lang="pt-BR" sz="2200" dirty="0" smtClean="0"/>
+              <a:t>Evitar gastos </a:t>
+            </a:r>
+            <a:r>
+              <a:rPr lang="pt-BR" sz="2200" dirty="0" smtClean="0"/>
+              <a:t>extras</a:t>
+            </a:r>
+            <a:endParaRPr lang="pt-BR" sz="2200" dirty="0" smtClean="0"/>
           </a:p>
           <a:p>
             <a:endParaRPr lang="pt-BR" sz="3200" dirty="0"/>

--- a/apresentacao_M1/TCC.pptx
+++ b/apresentacao_M1/TCC.pptx
@@ -120,7 +120,7 @@
   </p:defaultTextStyle>
   <p:extLst>
     <p:ext uri="{EFAFB233-063F-42B5-8137-9DF3F51BA10A}">
-      <p15:sldGuideLst xmlns:p15="http://schemas.microsoft.com/office/powerpoint/2012/main" xmlns="">
+      <p15:sldGuideLst xmlns:p15="http://schemas.microsoft.com/office/powerpoint/2012/main">
         <p15:guide id="1" orient="horz" pos="2160">
           <p15:clr>
             <a:srgbClr val="A4A3A4"/>
@@ -134,7 +134,7 @@
       </p15:sldGuideLst>
     </p:ext>
     <p:ext uri="{2D200454-40CA-4A62-9FC3-DE9A4176ACB9}">
-      <p15:notesGuideLst xmlns:p15="http://schemas.microsoft.com/office/powerpoint/2012/main" xmlns="">
+      <p15:notesGuideLst xmlns:p15="http://schemas.microsoft.com/office/powerpoint/2012/main">
         <p15:guide id="1" orient="horz" pos="2880">
           <p15:clr>
             <a:srgbClr val="A4A3A4"/>
@@ -238,7 +238,7 @@
             <a:fld id="{D83FDC75-7F73-4A4A-A77C-09AADF00E0EA}" type="datetimeFigureOut">
               <a:rPr lang="pt-BR" smtClean="0"/>
               <a:pPr/>
-              <a:t>28/11/2019</a:t>
+              <a:t>30/11/2019</a:t>
             </a:fld>
             <a:endParaRPr lang="pt-BR" dirty="0"/>
           </a:p>
@@ -409,7 +409,7 @@
           <a:p>
             <a:fld id="{48AEF76B-3757-4A0B-AF93-28494465C1DD}" type="datetimeFigureOut">
               <a:pPr/>
-              <a:t>28/11/2019</a:t>
+              <a:t>30/11/2019</a:t>
             </a:fld>
             <a:endParaRPr lang="pt-BR"/>
           </a:p>
@@ -719,176 +719,9 @@
         <p:spPr/>
         <p:txBody>
           <a:bodyPr>
-            <a:normAutofit lnSpcReduction="10000"/>
+            <a:normAutofit/>
           </a:bodyPr>
           <a:lstStyle/>
-          <a:p>
-            <a:pPr marL="0" marR="0" indent="0" algn="l" defTabSz="914400" rtl="0" eaLnBrk="1" fontAlgn="auto" latinLnBrk="0" hangingPunct="1">
-              <a:lnSpc>
-                <a:spcPct val="100000"/>
-              </a:lnSpc>
-              <a:spcBef>
-                <a:spcPts val="0"/>
-              </a:spcBef>
-              <a:spcAft>
-                <a:spcPts val="0"/>
-              </a:spcAft>
-              <a:buClrTx/>
-              <a:buSzTx/>
-              <a:buFontTx/>
-              <a:buNone/>
-              <a:tabLst/>
-              <a:defRPr lang="pt-BR"/>
-            </a:pPr>
-            <a:r>
-              <a:rPr lang="pt-BR" dirty="0" smtClean="0"/>
-              <a:t>Este modelo pode ser usado como arquivo de partida para apresentar materiais de treinamento em um cenário em grupo.</a:t>
-            </a:r>
-          </a:p>
-          <a:p>
-            <a:endParaRPr lang="pt-BR" dirty="0" smtClean="0"/>
-          </a:p>
-          <a:p>
-            <a:pPr lvl="0"/>
-            <a:r>
-              <a:rPr lang="pt-BR" sz="1200" b="1" dirty="0" smtClean="0"/>
-              <a:t>Seções</a:t>
-            </a:r>
-            <a:endParaRPr lang="pt-BR" sz="1200" b="0" dirty="0" smtClean="0"/>
-          </a:p>
-          <a:p>
-            <a:pPr lvl="0"/>
-            <a:r>
-              <a:rPr lang="pt-BR" sz="1200" b="0" dirty="0" smtClean="0"/>
-              <a:t>Clique com o botão direito em um slide para adicionar seções.</a:t>
-            </a:r>
-            <a:r>
-              <a:rPr lang="pt-BR" sz="1200" b="0" baseline="0" dirty="0" smtClean="0"/>
-              <a:t> Seções podem ajudar a organizar slides ou a facilitar a colaboração entre vários autores.</a:t>
-            </a:r>
-            <a:endParaRPr lang="pt-BR" sz="1200" b="0" dirty="0" smtClean="0"/>
-          </a:p>
-          <a:p>
-            <a:pPr lvl="0"/>
-            <a:endParaRPr lang="pt-BR" sz="1200" b="1" dirty="0" smtClean="0"/>
-          </a:p>
-          <a:p>
-            <a:pPr lvl="0"/>
-            <a:r>
-              <a:rPr lang="pt-BR" sz="1200" b="1" dirty="0" smtClean="0"/>
-              <a:t>Anotações</a:t>
-            </a:r>
-          </a:p>
-          <a:p>
-            <a:pPr lvl="0"/>
-            <a:r>
-              <a:rPr lang="pt-BR" sz="1200" dirty="0" smtClean="0"/>
-              <a:t>Use a seção Anotações para anotações da apresentação ou para fornecer detalhes adicionais ao público.</a:t>
-            </a:r>
-            <a:r>
-              <a:rPr lang="pt-BR" sz="1200" baseline="0" dirty="0" smtClean="0"/>
-              <a:t> Exiba essas anotações no Modo de Exibição de Apresentação durante a sua apresentação. </a:t>
-            </a:r>
-          </a:p>
-          <a:p>
-            <a:pPr lvl="0">
-              <a:buFontTx/>
-              <a:buNone/>
-            </a:pPr>
-            <a:r>
-              <a:rPr lang="pt-BR" sz="1200" dirty="0" smtClean="0"/>
-              <a:t>Considere o tamanho da fonte (importante para acessibilidade, visibilidade, gravação em vídeo e produção online)</a:t>
-            </a:r>
-          </a:p>
-          <a:p>
-            <a:pPr lvl="0"/>
-            <a:endParaRPr lang="pt-BR" sz="1200" dirty="0" smtClean="0"/>
-          </a:p>
-          <a:p>
-            <a:pPr lvl="0">
-              <a:buFontTx/>
-              <a:buNone/>
-            </a:pPr>
-            <a:r>
-              <a:rPr lang="pt-BR" sz="1200" b="1" dirty="0" smtClean="0"/>
-              <a:t>Cores coordenadas </a:t>
-            </a:r>
-          </a:p>
-          <a:p>
-            <a:pPr lvl="0">
-              <a:buFontTx/>
-              <a:buNone/>
-            </a:pPr>
-            <a:r>
-              <a:rPr lang="pt-BR" sz="1200" dirty="0" smtClean="0"/>
-              <a:t>Preste atenção especial aos gráficos, tabelas e caixas de texto.</a:t>
-            </a:r>
-            <a:r>
-              <a:rPr lang="pt-BR" sz="1200" baseline="0" dirty="0" smtClean="0"/>
-              <a:t> </a:t>
-            </a:r>
-            <a:endParaRPr lang="pt-BR" sz="1200" dirty="0" smtClean="0"/>
-          </a:p>
-          <a:p>
-            <a:pPr lvl="0"/>
-            <a:r>
-              <a:rPr lang="pt-BR" sz="1200" dirty="0" smtClean="0"/>
-              <a:t>Leve em consideração que os participantes irão imprimir em preto-e-branco ou </a:t>
-            </a:r>
-            <a:r>
-              <a:rPr lang="pt-BR" sz="1200" dirty="0" err="1" smtClean="0"/>
-              <a:t>escala de cinza</a:t>
-            </a:r>
-            <a:r>
-              <a:rPr lang="pt-BR" sz="1200" dirty="0" smtClean="0"/>
-              <a:t>. Execute uma impressão de teste para ter certeza de que as suas cores irão funcionar quando forem impressas em preto-e-branco puros e </a:t>
-            </a:r>
-            <a:r>
-              <a:rPr lang="pt-BR" sz="1200" dirty="0" err="1" smtClean="0"/>
-              <a:t>escala de cinza</a:t>
-            </a:r>
-            <a:r>
-              <a:rPr lang="pt-BR" sz="1200" dirty="0" smtClean="0"/>
-              <a:t>.</a:t>
-            </a:r>
-          </a:p>
-          <a:p>
-            <a:pPr lvl="0">
-              <a:buFontTx/>
-              <a:buNone/>
-            </a:pPr>
-            <a:endParaRPr lang="pt-BR" sz="1200" dirty="0" smtClean="0"/>
-          </a:p>
-          <a:p>
-            <a:pPr lvl="0">
-              <a:buFontTx/>
-              <a:buNone/>
-            </a:pPr>
-            <a:r>
-              <a:rPr lang="pt-BR" sz="1200" b="1" dirty="0" smtClean="0"/>
-              <a:t>Elementos gráficos, tabelas e gráficos</a:t>
-            </a:r>
-          </a:p>
-          <a:p>
-            <a:pPr lvl="0"/>
-            <a:r>
-              <a:rPr lang="pt-BR" sz="1200" dirty="0" smtClean="0"/>
-              <a:t>Mantenha a simplicidade: se possível, use estilos e cores consistentes e não confusos.</a:t>
-            </a:r>
-          </a:p>
-          <a:p>
-            <a:pPr lvl="0"/>
-            <a:r>
-              <a:rPr lang="pt-BR" sz="1200" dirty="0" smtClean="0"/>
-              <a:t>Rotule todos os gráficos e tabelas.</a:t>
-            </a:r>
-          </a:p>
-          <a:p>
-            <a:endParaRPr lang="pt-BR" dirty="0" smtClean="0"/>
-          </a:p>
-          <a:p>
-            <a:endParaRPr lang="pt-BR" dirty="0" smtClean="0"/>
-          </a:p>
           <a:p>
             <a:endParaRPr lang="pt-BR" dirty="0"/>
           </a:p>
@@ -1005,43 +838,7 @@
                 <a:spcPct val="80000"/>
               </a:lnSpc>
             </a:pPr>
-            <a:r>
-              <a:rPr lang="pt-BR" dirty="0" smtClean="0"/>
-              <a:t>Forneça uma breve visão geral da apresentação.</a:t>
-            </a:r>
-            <a:r>
-              <a:rPr lang="pt-BR" baseline="0" dirty="0" smtClean="0"/>
-              <a:t> D</a:t>
-            </a:r>
-            <a:r>
-              <a:rPr lang="pt-BR" dirty="0" smtClean="0"/>
-              <a:t>escreva o foco principal da apresentação e por que ela é importante.</a:t>
-            </a:r>
-          </a:p>
-          <a:p>
-            <a:pPr>
-              <a:lnSpc>
-                <a:spcPct val="80000"/>
-              </a:lnSpc>
-            </a:pPr>
-            <a:r>
-              <a:rPr lang="pt-BR" dirty="0" smtClean="0"/>
-              <a:t>Introduza cada um dos principais tópicos.</a:t>
-            </a:r>
-          </a:p>
-          <a:p>
-            <a:r>
-              <a:rPr lang="pt-BR" dirty="0" smtClean="0"/>
-              <a:t>Para fornecer um roteiro para o público, você</a:t>
-            </a:r>
-            <a:r>
-              <a:rPr lang="pt-BR" baseline="0" dirty="0" smtClean="0"/>
-              <a:t> pode </a:t>
-            </a:r>
-            <a:r>
-              <a:rPr lang="pt-BR" dirty="0" smtClean="0"/>
-              <a:t>repita este slide de Visão Geral por toda a apresentação, realçando o tópico específico que você discutirá em seguida.</a:t>
-            </a:r>
+            <a:endParaRPr lang="pt-BR" dirty="0" smtClean="0"/>
           </a:p>
         </p:txBody>
       </p:sp>
@@ -1124,7 +921,19 @@
       </p:grpSpPr>
       <p:sp>
         <p:nvSpPr>
-          <p:cNvPr id="3" name="Notes Placeholder 2"/>
+          <p:cNvPr id="2" name="Espaço Reservado para Imagem de Slide 1"/>
+          <p:cNvSpPr>
+            <a:spLocks noGrp="1" noRot="1" noChangeAspect="1"/>
+          </p:cNvSpPr>
+          <p:nvPr>
+            <p:ph type="sldImg"/>
+          </p:nvPr>
+        </p:nvSpPr>
+        <p:spPr/>
+      </p:sp>
+      <p:sp>
+        <p:nvSpPr>
+          <p:cNvPr id="3" name="Espaço Reservado para Anotações 2"/>
           <p:cNvSpPr>
             <a:spLocks noGrp="1"/>
           </p:cNvSpPr>
@@ -1134,67 +943,16 @@
         </p:nvSpPr>
         <p:spPr/>
         <p:txBody>
-          <a:bodyPr numCol="2" spcCol="182880">
-            <a:noAutofit/>
-          </a:bodyPr>
-          <a:lstStyle/>
-          <a:p>
-            <a:pPr marL="228600" marR="0" indent="-228600" algn="l" defTabSz="914400" rtl="0" eaLnBrk="1" fontAlgn="auto" latinLnBrk="0" hangingPunct="1">
-              <a:lnSpc>
-                <a:spcPct val="100000"/>
-              </a:lnSpc>
-              <a:spcBef>
-                <a:spcPts val="0"/>
-              </a:spcBef>
-              <a:spcAft>
-                <a:spcPts val="0"/>
-              </a:spcAft>
-              <a:buClrTx/>
-              <a:buSzTx/>
-              <a:buFont typeface="+mj-lt"/>
-              <a:buNone/>
-              <a:tabLst/>
-              <a:defRPr lang="pt-BR"/>
-            </a:pPr>
-            <a:r>
-              <a:rPr lang="pt-BR" sz="1200" dirty="0" smtClean="0"/>
-              <a:t>Esta é outra opção</a:t>
-            </a:r>
-            <a:r>
-              <a:rPr lang="pt-BR" sz="1200" baseline="0" dirty="0" smtClean="0"/>
-              <a:t> para um slide de Visão Geral.</a:t>
-            </a:r>
-            <a:endParaRPr lang="pt-BR" sz="1200" dirty="0" smtClean="0"/>
-          </a:p>
-          <a:p>
-            <a:pPr marL="228600" indent="-228600">
-              <a:buFont typeface="+mj-lt"/>
-              <a:buNone/>
-            </a:pPr>
-            <a:endParaRPr lang="pt-BR" sz="1200" dirty="0"/>
-          </a:p>
-        </p:txBody>
-      </p:sp>
-      <p:sp>
-        <p:nvSpPr>
-          <p:cNvPr id="5" name="Slide Image Placeholder 4"/>
-          <p:cNvSpPr>
-            <a:spLocks noGrp="1" noRot="1" noChangeAspect="1"/>
-          </p:cNvSpPr>
-          <p:nvPr>
-            <p:ph type="sldImg"/>
-          </p:nvPr>
-        </p:nvSpPr>
-        <p:spPr>
-          <a:xfrm>
-            <a:off x="539750" y="503238"/>
-            <a:ext cx="3143250" cy="2359025"/>
-          </a:xfrm>
-        </p:spPr>
-      </p:sp>
-      <p:sp>
-        <p:nvSpPr>
-          <p:cNvPr id="2" name="Espaço Reservado para Cabeçalho 1"/>
+          <a:bodyPr/>
+          <a:lstStyle/>
+          <a:p>
+            <a:endParaRPr lang="pt-BR" dirty="0"/>
+          </a:p>
+        </p:txBody>
+      </p:sp>
+      <p:sp>
+        <p:nvSpPr>
+          <p:cNvPr id="4" name="Espaço Reservado para Cabeçalho 3"/>
           <p:cNvSpPr>
             <a:spLocks noGrp="1"/>
           </p:cNvSpPr>
@@ -1211,6 +969,30 @@
               <a:rPr lang="pt-BR" smtClean="0"/>
               <a:t>teste</a:t>
             </a:r>
+            <a:endParaRPr lang="pt-BR"/>
+          </a:p>
+        </p:txBody>
+      </p:sp>
+      <p:sp>
+        <p:nvSpPr>
+          <p:cNvPr id="5" name="Espaço Reservado para Número de Slide 4"/>
+          <p:cNvSpPr>
+            <a:spLocks noGrp="1"/>
+          </p:cNvSpPr>
+          <p:nvPr>
+            <p:ph type="sldNum" sz="quarter" idx="11"/>
+          </p:nvPr>
+        </p:nvSpPr>
+        <p:spPr/>
+        <p:txBody>
+          <a:bodyPr/>
+          <a:lstStyle/>
+          <a:p>
+            <a:fld id="{75693FD4-8F83-4EF7-AC3F-0DC0388986B0}" type="slidenum">
+              <a:rPr lang="pt-BR" smtClean="0"/>
+              <a:pPr/>
+              <a:t>3</a:t>
+            </a:fld>
             <a:endParaRPr lang="pt-BR"/>
           </a:p>
         </p:txBody>
@@ -1218,7 +1000,7 @@
     </p:spTree>
     <p:extLst>
       <p:ext uri="{BB962C8B-B14F-4D97-AF65-F5344CB8AC3E}">
-        <p14:creationId xmlns:p14="http://schemas.microsoft.com/office/powerpoint/2010/main" val="1228015054"/>
+        <p14:creationId xmlns:p14="http://schemas.microsoft.com/office/powerpoint/2010/main" val="2902974250"/>
       </p:ext>
     </p:extLst>
   </p:cSld>
@@ -1247,7 +1029,32 @@
       </p:grpSpPr>
       <p:sp>
         <p:nvSpPr>
-          <p:cNvPr id="2" name="Slide Image Placeholder 1"/>
+          <p:cNvPr id="3" name="Notes Placeholder 2"/>
+          <p:cNvSpPr>
+            <a:spLocks noGrp="1"/>
+          </p:cNvSpPr>
+          <p:nvPr>
+            <p:ph type="body" idx="1"/>
+          </p:nvPr>
+        </p:nvSpPr>
+        <p:spPr/>
+        <p:txBody>
+          <a:bodyPr numCol="2" spcCol="182880">
+            <a:noAutofit/>
+          </a:bodyPr>
+          <a:lstStyle/>
+          <a:p>
+            <a:pPr marL="228600" indent="-228600">
+              <a:buFont typeface="+mj-lt"/>
+              <a:buNone/>
+            </a:pPr>
+            <a:endParaRPr lang="pt-BR" sz="1200" dirty="0"/>
+          </a:p>
+        </p:txBody>
+      </p:sp>
+      <p:sp>
+        <p:nvSpPr>
+          <p:cNvPr id="5" name="Slide Image Placeholder 4"/>
           <p:cNvSpPr>
             <a:spLocks noGrp="1" noRot="1" noChangeAspect="1"/>
           </p:cNvSpPr>
@@ -1255,102 +1062,21 @@
             <p:ph type="sldImg"/>
           </p:nvPr>
         </p:nvSpPr>
-        <p:spPr/>
-      </p:sp>
-      <p:sp>
-        <p:nvSpPr>
-          <p:cNvPr id="3" name="Notes Placeholder 2"/>
-          <p:cNvSpPr>
-            <a:spLocks noGrp="1"/>
-          </p:cNvSpPr>
-          <p:nvPr>
-            <p:ph type="body" idx="1"/>
-          </p:nvPr>
-        </p:nvSpPr>
-        <p:spPr/>
-        <p:txBody>
-          <a:bodyPr>
-            <a:normAutofit/>
-          </a:bodyPr>
-          <a:lstStyle/>
-          <a:p>
-            <a:pPr marL="0" marR="0" indent="0" algn="l" defTabSz="914400" rtl="0" eaLnBrk="1" fontAlgn="auto" latinLnBrk="0" hangingPunct="1">
-              <a:lnSpc>
-                <a:spcPct val="100000"/>
-              </a:lnSpc>
-              <a:spcBef>
-                <a:spcPts val="0"/>
-              </a:spcBef>
-              <a:spcAft>
-                <a:spcPts val="0"/>
-              </a:spcAft>
-              <a:buClrTx/>
-              <a:buSzTx/>
-              <a:buFontTx/>
-              <a:buNone/>
-              <a:tabLst/>
-              <a:defRPr lang="pt-BR"/>
-            </a:pPr>
-            <a:r>
-              <a:rPr lang="pt-BR" b="0" dirty="0" smtClean="0"/>
-              <a:t>O Que</a:t>
-            </a:r>
-            <a:r>
-              <a:rPr lang="pt-BR" b="0" baseline="0" dirty="0" smtClean="0"/>
-              <a:t> o público poderá fazer após a conclusão deste treinamento?</a:t>
-            </a:r>
-            <a:r>
-              <a:rPr lang="pt-BR" dirty="0" smtClean="0"/>
-              <a:t> Descreva brevemente cada objetivo e como o público</a:t>
-            </a:r>
-            <a:r>
-              <a:rPr lang="pt-BR" baseline="0" dirty="0" smtClean="0"/>
-              <a:t> </a:t>
-            </a:r>
-            <a:r>
-              <a:rPr lang="pt-BR" dirty="0" smtClean="0"/>
-              <a:t>se beneficiará</a:t>
-            </a:r>
-            <a:r>
-              <a:rPr lang="pt-BR" baseline="0" dirty="0" smtClean="0"/>
-              <a:t> apresentação.</a:t>
-            </a:r>
-            <a:endParaRPr lang="pt-BR" dirty="0" smtClean="0"/>
-          </a:p>
-        </p:txBody>
-      </p:sp>
-      <p:sp>
-        <p:nvSpPr>
-          <p:cNvPr id="4" name="Slide Number Placeholder 3"/>
-          <p:cNvSpPr>
-            <a:spLocks noGrp="1"/>
-          </p:cNvSpPr>
-          <p:nvPr>
-            <p:ph type="sldNum" sz="quarter" idx="10"/>
-          </p:nvPr>
-        </p:nvSpPr>
-        <p:spPr/>
-        <p:txBody>
-          <a:bodyPr/>
-          <a:lstStyle/>
-          <a:p>
-            <a:fld id="{EC6EAC7D-5A89-47C2-8ABA-56C9C2DEF7A4}" type="slidenum">
-              <a:rPr lang="pt-BR" smtClean="0"/>
-              <a:pPr/>
-              <a:t>5</a:t>
-            </a:fld>
-            <a:endParaRPr lang="pt-BR"/>
-          </a:p>
-        </p:txBody>
-      </p:sp>
-      <p:sp>
-        <p:nvSpPr>
-          <p:cNvPr id="5" name="Espaço Reservado para Cabeçalho 4"/>
-          <p:cNvSpPr>
-            <a:spLocks noGrp="1"/>
-          </p:cNvSpPr>
-          <p:nvPr>
-            <p:ph type="hdr" sz="quarter" idx="11"/>
+        <p:spPr>
+          <a:xfrm>
+            <a:off x="539750" y="503238"/>
+            <a:ext cx="3143250" cy="2359025"/>
+          </a:xfrm>
+        </p:spPr>
+      </p:sp>
+      <p:sp>
+        <p:nvSpPr>
+          <p:cNvPr id="2" name="Espaço Reservado para Cabeçalho 1"/>
+          <p:cNvSpPr>
+            <a:spLocks noGrp="1"/>
+          </p:cNvSpPr>
+          <p:nvPr>
+            <p:ph type="hdr" sz="quarter" idx="10"/>
           </p:nvPr>
         </p:nvSpPr>
         <p:spPr/>
@@ -1369,7 +1095,7 @@
     </p:spTree>
     <p:extLst>
       <p:ext uri="{BB962C8B-B14F-4D97-AF65-F5344CB8AC3E}">
-        <p14:creationId xmlns:p14="http://schemas.microsoft.com/office/powerpoint/2010/main" val="3868923853"/>
+        <p14:creationId xmlns:p14="http://schemas.microsoft.com/office/powerpoint/2010/main" val="1228015054"/>
       </p:ext>
     </p:extLst>
   </p:cSld>
@@ -1420,40 +1146,51 @@
         </p:nvSpPr>
         <p:spPr/>
         <p:txBody>
+          <a:bodyPr>
+            <a:normAutofit/>
+          </a:bodyPr>
+          <a:lstStyle/>
+          <a:p>
+            <a:pPr marL="0" marR="0" indent="0" algn="l" defTabSz="914400" rtl="0" eaLnBrk="1" fontAlgn="auto" latinLnBrk="0" hangingPunct="1">
+              <a:lnSpc>
+                <a:spcPct val="100000"/>
+              </a:lnSpc>
+              <a:spcBef>
+                <a:spcPts val="0"/>
+              </a:spcBef>
+              <a:spcAft>
+                <a:spcPts val="0"/>
+              </a:spcAft>
+              <a:buClrTx/>
+              <a:buSzTx/>
+              <a:buFontTx/>
+              <a:buNone/>
+              <a:tabLst/>
+              <a:defRPr lang="pt-BR"/>
+            </a:pPr>
+            <a:endParaRPr lang="pt-BR" dirty="0" smtClean="0"/>
+          </a:p>
+        </p:txBody>
+      </p:sp>
+      <p:sp>
+        <p:nvSpPr>
+          <p:cNvPr id="4" name="Slide Number Placeholder 3"/>
+          <p:cNvSpPr>
+            <a:spLocks noGrp="1"/>
+          </p:cNvSpPr>
+          <p:nvPr>
+            <p:ph type="sldNum" sz="quarter" idx="10"/>
+          </p:nvPr>
+        </p:nvSpPr>
+        <p:spPr/>
+        <p:txBody>
           <a:bodyPr/>
           <a:lstStyle/>
           <a:p>
-            <a:r>
-              <a:rPr lang="pt-BR" dirty="0" smtClean="0"/>
-              <a:t>Adicione um estudo de caso ou</a:t>
-            </a:r>
-            <a:r>
-              <a:rPr lang="pt-BR" baseline="0" dirty="0" smtClean="0"/>
-              <a:t> a simulação da aula para incentivar discussões e aplicar lições. </a:t>
-            </a:r>
-            <a:endParaRPr lang="pt-BR" dirty="0"/>
-          </a:p>
-        </p:txBody>
-      </p:sp>
-      <p:sp>
-        <p:nvSpPr>
-          <p:cNvPr id="4" name="Slide Number Placeholder 3"/>
-          <p:cNvSpPr>
-            <a:spLocks noGrp="1"/>
-          </p:cNvSpPr>
-          <p:nvPr>
-            <p:ph type="sldNum" sz="quarter" idx="10"/>
-          </p:nvPr>
-        </p:nvSpPr>
-        <p:spPr/>
-        <p:txBody>
-          <a:bodyPr/>
-          <a:lstStyle/>
-          <a:p>
-            <a:fld id="{75693FD4-8F83-4EF7-AC3F-0DC0388986B0}" type="slidenum">
+            <a:fld id="{EC6EAC7D-5A89-47C2-8ABA-56C9C2DEF7A4}" type="slidenum">
               <a:rPr lang="pt-BR" smtClean="0"/>
               <a:pPr/>
-              <a:t>6</a:t>
+              <a:t>5</a:t>
             </a:fld>
             <a:endParaRPr lang="pt-BR"/>
           </a:p>
@@ -1485,7 +1222,7 @@
     </p:spTree>
     <p:extLst>
       <p:ext uri="{BB962C8B-B14F-4D97-AF65-F5344CB8AC3E}">
-        <p14:creationId xmlns:p14="http://schemas.microsoft.com/office/powerpoint/2010/main" val="3769423626"/>
+        <p14:creationId xmlns:p14="http://schemas.microsoft.com/office/powerpoint/2010/main" val="3868923853"/>
       </p:ext>
     </p:extLst>
   </p:cSld>
@@ -1539,20 +1276,6 @@
           <a:bodyPr/>
           <a:lstStyle/>
           <a:p>
-            <a:r>
-              <a:rPr lang="pt-BR" dirty="0" smtClean="0"/>
-              <a:t>Discuta</a:t>
-            </a:r>
-            <a:r>
-              <a:rPr lang="pt-BR" baseline="0" dirty="0" smtClean="0"/>
-              <a:t> os resultados do estudo de caso ou da simulação de aula.</a:t>
-            </a:r>
-          </a:p>
-          <a:p>
-            <a:r>
-              <a:rPr lang="pt-BR" baseline="0" dirty="0" smtClean="0"/>
-              <a:t>Aborde práticas recomendadas. </a:t>
-            </a:r>
             <a:endParaRPr lang="pt-BR" dirty="0"/>
           </a:p>
         </p:txBody>
@@ -1575,9 +1298,9 @@
             <a:fld id="{75693FD4-8F83-4EF7-AC3F-0DC0388986B0}" type="slidenum">
               <a:rPr lang="pt-BR" smtClean="0"/>
               <a:pPr/>
-              <a:t>7</a:t>
+              <a:t>6</a:t>
             </a:fld>
-            <a:endParaRPr lang="pt-BR" dirty="0"/>
+            <a:endParaRPr lang="pt-BR"/>
           </a:p>
         </p:txBody>
       </p:sp>
@@ -1607,7 +1330,7 @@
     </p:spTree>
     <p:extLst>
       <p:ext uri="{BB962C8B-B14F-4D97-AF65-F5344CB8AC3E}">
-        <p14:creationId xmlns:p14="http://schemas.microsoft.com/office/powerpoint/2010/main" val="353718877"/>
+        <p14:creationId xmlns:p14="http://schemas.microsoft.com/office/powerpoint/2010/main" val="3769423626"/>
       </p:ext>
     </p:extLst>
   </p:cSld>
@@ -1636,6 +1359,114 @@
       </p:grpSpPr>
       <p:sp>
         <p:nvSpPr>
+          <p:cNvPr id="2" name="Slide Image Placeholder 1"/>
+          <p:cNvSpPr>
+            <a:spLocks noGrp="1" noRot="1" noChangeAspect="1"/>
+          </p:cNvSpPr>
+          <p:nvPr>
+            <p:ph type="sldImg"/>
+          </p:nvPr>
+        </p:nvSpPr>
+        <p:spPr/>
+      </p:sp>
+      <p:sp>
+        <p:nvSpPr>
+          <p:cNvPr id="3" name="Notes Placeholder 2"/>
+          <p:cNvSpPr>
+            <a:spLocks noGrp="1"/>
+          </p:cNvSpPr>
+          <p:nvPr>
+            <p:ph type="body" idx="1"/>
+          </p:nvPr>
+        </p:nvSpPr>
+        <p:spPr/>
+        <p:txBody>
+          <a:bodyPr/>
+          <a:lstStyle/>
+          <a:p>
+            <a:endParaRPr lang="pt-BR" baseline="0" dirty="0" smtClean="0"/>
+          </a:p>
+        </p:txBody>
+      </p:sp>
+      <p:sp>
+        <p:nvSpPr>
+          <p:cNvPr id="4" name="Slide Number Placeholder 3"/>
+          <p:cNvSpPr>
+            <a:spLocks noGrp="1"/>
+          </p:cNvSpPr>
+          <p:nvPr>
+            <p:ph type="sldNum" sz="quarter" idx="10"/>
+          </p:nvPr>
+        </p:nvSpPr>
+        <p:spPr/>
+        <p:txBody>
+          <a:bodyPr/>
+          <a:lstStyle/>
+          <a:p>
+            <a:fld id="{75693FD4-8F83-4EF7-AC3F-0DC0388986B0}" type="slidenum">
+              <a:rPr lang="pt-BR" smtClean="0"/>
+              <a:pPr/>
+              <a:t>7</a:t>
+            </a:fld>
+            <a:endParaRPr lang="pt-BR" dirty="0"/>
+          </a:p>
+        </p:txBody>
+      </p:sp>
+      <p:sp>
+        <p:nvSpPr>
+          <p:cNvPr id="5" name="Espaço Reservado para Cabeçalho 4"/>
+          <p:cNvSpPr>
+            <a:spLocks noGrp="1"/>
+          </p:cNvSpPr>
+          <p:nvPr>
+            <p:ph type="hdr" sz="quarter" idx="11"/>
+          </p:nvPr>
+        </p:nvSpPr>
+        <p:spPr/>
+        <p:txBody>
+          <a:bodyPr/>
+          <a:lstStyle/>
+          <a:p>
+            <a:r>
+              <a:rPr lang="pt-BR" smtClean="0"/>
+              <a:t>teste</a:t>
+            </a:r>
+            <a:endParaRPr lang="pt-BR"/>
+          </a:p>
+        </p:txBody>
+      </p:sp>
+    </p:spTree>
+    <p:extLst>
+      <p:ext uri="{BB962C8B-B14F-4D97-AF65-F5344CB8AC3E}">
+        <p14:creationId xmlns:p14="http://schemas.microsoft.com/office/powerpoint/2010/main" val="353718877"/>
+      </p:ext>
+    </p:extLst>
+  </p:cSld>
+  <p:clrMapOvr>
+    <a:masterClrMapping/>
+  </p:clrMapOvr>
+</p:notes>
+</file>
+
+<file path=ppt/notesSlides/notesSlide8.xml><?xml version="1.0" encoding="utf-8"?>
+<p:notes xmlns:a="http://schemas.openxmlformats.org/drawingml/2006/main" xmlns:r="http://schemas.openxmlformats.org/officeDocument/2006/relationships" xmlns:p="http://schemas.openxmlformats.org/presentationml/2006/main">
+  <p:cSld>
+    <p:spTree>
+      <p:nvGrpSpPr>
+        <p:cNvPr id="1" name=""/>
+        <p:cNvGrpSpPr/>
+        <p:nvPr/>
+      </p:nvGrpSpPr>
+      <p:grpSpPr>
+        <a:xfrm>
+          <a:off x="0" y="0"/>
+          <a:ext cx="0" cy="0"/>
+          <a:chOff x="0" y="0"/>
+          <a:chExt cx="0" cy="0"/>
+        </a:xfrm>
+      </p:grpSpPr>
+      <p:sp>
+        <p:nvSpPr>
           <p:cNvPr id="40962" name="Rectangle 23"/>
           <p:cNvSpPr>
             <a:spLocks noGrp="1" noChangeArrowheads="1"/>
@@ -1746,7 +1577,7 @@
 </p:notes>
 </file>
 
-<file path=ppt/notesSlides/notesSlide8.xml><?xml version="1.0" encoding="utf-8"?>
+<file path=ppt/notesSlides/notesSlide9.xml><?xml version="1.0" encoding="utf-8"?>
 <p:notes xmlns:a="http://schemas.openxmlformats.org/drawingml/2006/main" xmlns:r="http://schemas.openxmlformats.org/officeDocument/2006/relationships" xmlns:p="http://schemas.openxmlformats.org/presentationml/2006/main">
   <p:cSld>
     <p:spTree>
@@ -5773,7 +5604,7 @@
           </p:nvPr>
         </p:nvPicPr>
         <p:blipFill>
-          <a:blip r:embed="rId2" cstate="email">
+          <a:blip r:embed="rId3" cstate="email">
             <a:extLst>
               <a:ext uri="{28A0092B-C50C-407E-A947-70E740481C1C}">
                 <a14:useLocalDpi xmlns:a14="http://schemas.microsoft.com/office/drawing/2010/main" val="0"/>
@@ -5818,6 +5649,36 @@
               <a:t>Cardápio Semanal</a:t>
             </a:r>
             <a:endParaRPr lang="pt-BR" dirty="0"/>
+          </a:p>
+        </p:txBody>
+      </p:sp>
+      <p:sp>
+        <p:nvSpPr>
+          <p:cNvPr id="3" name="CaixaDeTexto 2"/>
+          <p:cNvSpPr txBox="1"/>
+          <p:nvPr/>
+        </p:nvSpPr>
+        <p:spPr>
+          <a:xfrm>
+            <a:off x="6308672" y="6093296"/>
+            <a:ext cx="2835328" cy="338554"/>
+          </a:xfrm>
+          <a:prstGeom prst="rect">
+            <a:avLst/>
+          </a:prstGeom>
+          <a:noFill/>
+        </p:spPr>
+        <p:txBody>
+          <a:bodyPr wrap="none" rtlCol="0">
+            <a:spAutoFit/>
+          </a:bodyPr>
+          <a:lstStyle/>
+          <a:p>
+            <a:r>
+              <a:rPr lang="pt-BR" sz="1600" dirty="0" smtClean="0"/>
+              <a:t>*imagem meramente ilustrativa</a:t>
+            </a:r>
+            <a:endParaRPr lang="pt-BR" sz="1600" dirty="0"/>
           </a:p>
         </p:txBody>
       </p:sp>
@@ -5928,7 +5789,6 @@
               <a:rPr lang="pt-BR" dirty="0"/>
               <a:t>.</a:t>
             </a:r>
-            <a:endParaRPr lang="pt-BR" dirty="0"/>
           </a:p>
         </p:txBody>
       </p:sp>
@@ -6013,7 +5873,6 @@
               <a:rPr lang="pt-BR" dirty="0"/>
               <a:t>acarretando em desperdícios.</a:t>
             </a:r>
-            <a:endParaRPr lang="pt-BR" dirty="0"/>
           </a:p>
         </p:txBody>
       </p:sp>
@@ -6085,7 +5944,6 @@
               <a:rPr lang="pt-BR" dirty="0"/>
               <a:t>.</a:t>
             </a:r>
-            <a:endParaRPr lang="pt-BR" dirty="0"/>
           </a:p>
         </p:txBody>
       </p:sp>
@@ -6219,13 +6077,8 @@
           <a:p>
             <a:r>
               <a:rPr lang="pt-BR" sz="2200" dirty="0" smtClean="0"/>
-              <a:t>Evitar gastos </a:t>
-            </a:r>
-            <a:r>
-              <a:rPr lang="pt-BR" sz="2200" dirty="0" smtClean="0"/>
-              <a:t>extras</a:t>
-            </a:r>
-            <a:endParaRPr lang="pt-BR" sz="2200" dirty="0" smtClean="0"/>
+              <a:t>Evitar gastos extras</a:t>
+            </a:r>
           </a:p>
           <a:p>
             <a:endParaRPr lang="pt-BR" sz="3200" dirty="0"/>
